--- a/presentation/Introduction to XProc 3.0.pptx
+++ b/presentation/Introduction to XProc 3.0.pptx
@@ -382,7 +382,7 @@
           <a:p>
             <a:fld id="{0AAE6376-87C4-4D16-82D1-D37904F930BA}" type="datetimeFigureOut">
               <a:rPr lang="en-NL" smtClean="0"/>
-              <a:t>01/11/2021</a:t>
+              <a:t>07/05/2023</a:t>
             </a:fld>
             <a:endParaRPr lang="en-NL"/>
           </a:p>
@@ -559,7 +559,7 @@
           <a:p>
             <a:fld id="{3FA52A83-AFF0-44B5-B0CB-BF1EF92BF110}" type="datetimeFigureOut">
               <a:rPr lang="en-NL" smtClean="0"/>
-              <a:t>01/11/2021</a:t>
+              <a:t>07/05/2023</a:t>
             </a:fld>
             <a:endParaRPr lang="en-NL"/>
           </a:p>
@@ -4512,7 +4512,7 @@
           <a:p>
             <a:fld id="{9446F294-FC6D-4658-8D72-6C175CC4BEDF}" type="datetimeFigureOut">
               <a:rPr lang="en-US" smtClean="0"/>
-              <a:t>11/1/2021</a:t>
+              <a:t>5/7/2023</a:t>
             </a:fld>
             <a:endParaRPr lang="en-US"/>
           </a:p>
@@ -4736,7 +4736,7 @@
           <a:p>
             <a:fld id="{9446F294-FC6D-4658-8D72-6C175CC4BEDF}" type="datetimeFigureOut">
               <a:rPr lang="en-US" smtClean="0"/>
-              <a:t>11/1/2021</a:t>
+              <a:t>5/7/2023</a:t>
             </a:fld>
             <a:endParaRPr lang="en-US"/>
           </a:p>
@@ -4970,7 +4970,7 @@
           <a:p>
             <a:fld id="{9446F294-FC6D-4658-8D72-6C175CC4BEDF}" type="datetimeFigureOut">
               <a:rPr lang="en-US" smtClean="0"/>
-              <a:t>11/1/2021</a:t>
+              <a:t>5/7/2023</a:t>
             </a:fld>
             <a:endParaRPr lang="en-US"/>
           </a:p>
@@ -5194,7 +5194,7 @@
           <a:p>
             <a:fld id="{9446F294-FC6D-4658-8D72-6C175CC4BEDF}" type="datetimeFigureOut">
               <a:rPr lang="en-US" smtClean="0"/>
-              <a:t>11/1/2021</a:t>
+              <a:t>5/7/2023</a:t>
             </a:fld>
             <a:endParaRPr lang="en-US"/>
           </a:p>
@@ -5494,7 +5494,7 @@
           <a:p>
             <a:fld id="{9446F294-FC6D-4658-8D72-6C175CC4BEDF}" type="datetimeFigureOut">
               <a:rPr lang="en-US" smtClean="0"/>
-              <a:t>11/1/2021</a:t>
+              <a:t>5/7/2023</a:t>
             </a:fld>
             <a:endParaRPr lang="en-US"/>
           </a:p>
@@ -5786,7 +5786,7 @@
           <a:p>
             <a:fld id="{9446F294-FC6D-4658-8D72-6C175CC4BEDF}" type="datetimeFigureOut">
               <a:rPr lang="en-US" smtClean="0"/>
-              <a:t>11/1/2021</a:t>
+              <a:t>5/7/2023</a:t>
             </a:fld>
             <a:endParaRPr lang="en-US"/>
           </a:p>
@@ -6225,7 +6225,7 @@
           <a:p>
             <a:fld id="{9446F294-FC6D-4658-8D72-6C175CC4BEDF}" type="datetimeFigureOut">
               <a:rPr lang="en-US" smtClean="0"/>
-              <a:t>11/1/2021</a:t>
+              <a:t>5/7/2023</a:t>
             </a:fld>
             <a:endParaRPr lang="en-US"/>
           </a:p>
@@ -6391,7 +6391,7 @@
           <a:p>
             <a:fld id="{9446F294-FC6D-4658-8D72-6C175CC4BEDF}" type="datetimeFigureOut">
               <a:rPr lang="en-US" smtClean="0"/>
-              <a:t>11/1/2021</a:t>
+              <a:t>5/7/2023</a:t>
             </a:fld>
             <a:endParaRPr lang="en-US"/>
           </a:p>
@@ -6528,7 +6528,7 @@
           <a:p>
             <a:fld id="{9446F294-FC6D-4658-8D72-6C175CC4BEDF}" type="datetimeFigureOut">
               <a:rPr lang="en-US" smtClean="0"/>
-              <a:t>11/1/2021</a:t>
+              <a:t>5/7/2023</a:t>
             </a:fld>
             <a:endParaRPr lang="en-US"/>
           </a:p>
@@ -6865,7 +6865,7 @@
           <a:p>
             <a:fld id="{9446F294-FC6D-4658-8D72-6C175CC4BEDF}" type="datetimeFigureOut">
               <a:rPr lang="en-US" smtClean="0"/>
-              <a:t>11/1/2021</a:t>
+              <a:t>5/7/2023</a:t>
             </a:fld>
             <a:endParaRPr lang="en-US"/>
           </a:p>
@@ -7178,7 +7178,7 @@
           <a:p>
             <a:fld id="{9446F294-FC6D-4658-8D72-6C175CC4BEDF}" type="datetimeFigureOut">
               <a:rPr lang="en-US" smtClean="0"/>
-              <a:t>11/1/2021</a:t>
+              <a:t>5/7/2023</a:t>
             </a:fld>
             <a:endParaRPr lang="en-US"/>
           </a:p>
@@ -7450,7 +7450,7 @@
         <p:spPr>
           <a:xfrm>
             <a:off x="52960" y="6436151"/>
-            <a:ext cx="4036439" cy="338554"/>
+            <a:ext cx="5403361" cy="338554"/>
           </a:xfrm>
           <a:prstGeom prst="rect">
             <a:avLst/>
@@ -7471,7 +7471,7 @@
                   </a:schemeClr>
                 </a:solidFill>
               </a:rPr>
-              <a:t>Tutorial site: https://da.xatapult.com</a:t>
+              <a:t>Tutorial site: https://mu-2023-xproc.xatapult.com</a:t>
             </a:r>
             <a:endParaRPr lang="en-GB" sz="1600" dirty="0">
               <a:solidFill>
@@ -7920,14 +7920,14 @@
             <a:pPr algn="ctr"/>
             <a:r>
               <a:rPr lang="en-US" sz="2400" b="1" dirty="0"/>
-              <a:t>Declarative Amsterdam</a:t>
-            </a:r>
-          </a:p>
-          <a:p>
-            <a:pPr algn="ctr"/>
-            <a:r>
+              <a:t>Markup UK 2023</a:t>
+            </a:r>
+            <a:br>
               <a:rPr lang="en-US" sz="2400" b="1" dirty="0"/>
-              <a:t>November 4 and 5, 2021</a:t>
+            </a:br>
+            <a:r>
+              <a:rPr lang="en-US" sz="2400" b="1" dirty="0"/>
+              <a:t>June 1-3, London</a:t>
             </a:r>
             <a:endParaRPr lang="en-NL" sz="2400" b="1" dirty="0"/>
           </a:p>
@@ -8066,7 +8066,7 @@
                   </a:extLst>
                 </a:hlinkClick>
               </a:rPr>
-              <a:t>https://da.xatapult.com</a:t>
+              <a:t>https://mu-2023-xproc.xatapult.com</a:t>
             </a:r>
             <a:r>
               <a:rPr lang="en-US" sz="2400" b="1" dirty="0">
@@ -14778,8 +14778,8 @@
         </p:blipFill>
         <p:spPr>
           <a:xfrm rot="5400000">
-            <a:off x="7598268" y="901631"/>
-            <a:ext cx="4292039" cy="3219029"/>
+            <a:off x="8478520" y="775881"/>
+            <a:ext cx="3286035" cy="2464526"/>
           </a:xfrm>
           <a:prstGeom prst="rect">
             <a:avLst/>
@@ -14792,6 +14792,100 @@
           </a:effectLst>
         </p:spPr>
       </p:pic>
+      <p:pic>
+        <p:nvPicPr>
+          <p:cNvPr id="6" name="Picture 5" descr="A book cover with a fish and text&#10;&#10;Description automatically generated with low confidence">
+            <a:extLst>
+              <a:ext uri="{FF2B5EF4-FFF2-40B4-BE49-F238E27FC236}">
+                <a16:creationId xmlns:a16="http://schemas.microsoft.com/office/drawing/2014/main" id="{0AEC10FB-BD59-8323-3647-FEFED24CE2E7}"/>
+              </a:ext>
+            </a:extLst>
+          </p:cNvPr>
+          <p:cNvPicPr>
+            <a:picLocks noChangeAspect="1"/>
+          </p:cNvPicPr>
+          <p:nvPr/>
+        </p:nvPicPr>
+        <p:blipFill>
+          <a:blip r:embed="rId6">
+            <a:extLst>
+              <a:ext uri="{28A0092B-C50C-407E-A947-70E740481C1C}">
+                <a14:useLocalDpi xmlns:a14="http://schemas.microsoft.com/office/drawing/2010/main" val="0"/>
+              </a:ext>
+            </a:extLst>
+          </a:blip>
+          <a:stretch>
+            <a:fillRect/>
+          </a:stretch>
+        </p:blipFill>
+        <p:spPr>
+          <a:xfrm>
+            <a:off x="7358204" y="4157623"/>
+            <a:ext cx="2209284" cy="2326506"/>
+          </a:xfrm>
+          <a:prstGeom prst="rect">
+            <a:avLst/>
+          </a:prstGeom>
+          <a:ln>
+            <a:solidFill>
+              <a:schemeClr val="tx1"/>
+            </a:solidFill>
+          </a:ln>
+        </p:spPr>
+      </p:pic>
+      <p:sp>
+        <p:nvSpPr>
+          <p:cNvPr id="7" name="Arc 6">
+            <a:extLst>
+              <a:ext uri="{FF2B5EF4-FFF2-40B4-BE49-F238E27FC236}">
+                <a16:creationId xmlns:a16="http://schemas.microsoft.com/office/drawing/2014/main" id="{B6268470-3D7D-7A6C-F1C1-5FE19A86A4A5}"/>
+              </a:ext>
+            </a:extLst>
+          </p:cNvPr>
+          <p:cNvSpPr/>
+          <p:nvPr/>
+        </p:nvSpPr>
+        <p:spPr>
+          <a:xfrm>
+            <a:off x="6096000" y="3561009"/>
+            <a:ext cx="1938828" cy="850005"/>
+          </a:xfrm>
+          <a:prstGeom prst="arc">
+            <a:avLst>
+              <a:gd name="adj1" fmla="val 16200000"/>
+              <a:gd name="adj2" fmla="val 247666"/>
+            </a:avLst>
+          </a:prstGeom>
+          <a:ln w="47625">
+            <a:solidFill>
+              <a:schemeClr val="tx1"/>
+            </a:solidFill>
+            <a:tailEnd type="stealth"/>
+          </a:ln>
+        </p:spPr>
+        <p:style>
+          <a:lnRef idx="1">
+            <a:schemeClr val="accent1"/>
+          </a:lnRef>
+          <a:fillRef idx="0">
+            <a:schemeClr val="accent1"/>
+          </a:fillRef>
+          <a:effectRef idx="0">
+            <a:schemeClr val="accent1"/>
+          </a:effectRef>
+          <a:fontRef idx="minor">
+            <a:schemeClr val="tx1"/>
+          </a:fontRef>
+        </p:style>
+        <p:txBody>
+          <a:bodyPr rtlCol="0" anchor="ctr"/>
+          <a:lstStyle/>
+          <a:p>
+            <a:pPr algn="ctr"/>
+            <a:endParaRPr lang="en-NL"/>
+          </a:p>
+        </p:txBody>
+      </p:sp>
     </p:spTree>
     <p:extLst>
       <p:ext uri="{BB962C8B-B14F-4D97-AF65-F5344CB8AC3E}">
@@ -17094,7 +17188,7 @@
                 <a:latin typeface="Courier New" panose="02070309020205020404" pitchFamily="49" charset="0"/>
                 <a:cs typeface="Courier New" panose="02070309020205020404" pitchFamily="49" charset="0"/>
               </a:rPr>
-              <a:t>&lt;location&gt;Amsterdam 2021&lt;/location&gt;</a:t>
+              <a:t>&lt;location&gt;London 2023&lt;/location&gt;</a:t>
             </a:r>
             <a:r>
               <a:rPr lang="en-GB" sz="2400" b="1" dirty="0">
@@ -17730,7 +17824,7 @@
                 <a:latin typeface="Courier New" panose="02070309020205020404" pitchFamily="49" charset="0"/>
                 <a:cs typeface="Courier New" panose="02070309020205020404" pitchFamily="49" charset="0"/>
               </a:rPr>
-              <a:t>&gt;Amsterdam {</a:t>
+              <a:t>&gt;London {</a:t>
             </a:r>
             <a:r>
               <a:rPr lang="nl-NL" sz="2000" b="1" dirty="0" err="1">
@@ -18411,7 +18505,7 @@
                 <a:latin typeface="Courier New" panose="02070309020205020404" pitchFamily="49" charset="0"/>
                 <a:cs typeface="Courier New" panose="02070309020205020404" pitchFamily="49" charset="0"/>
               </a:rPr>
-              <a:t>exercises/03-connect-inline/</a:t>
+              <a:t>exercises/04-connect-external/</a:t>
             </a:r>
           </a:p>
           <a:p>
@@ -21414,7 +21508,7 @@
                 <a:latin typeface="Courier New" panose="02070309020205020404" pitchFamily="49" charset="0"/>
                 <a:cs typeface="Courier New" panose="02070309020205020404" pitchFamily="49" charset="0"/>
               </a:rPr>
-              <a:t>&gt;Amsterdam&lt;/</a:t>
+              <a:t>&gt;London&lt;/</a:t>
             </a:r>
             <a:r>
               <a:rPr lang="nl-NL" sz="1400" b="1" dirty="0" err="1">
@@ -26907,8 +27001,8 @@
         </p:blipFill>
         <p:spPr bwMode="auto">
           <a:xfrm>
-            <a:off x="9954057" y="1596134"/>
-            <a:ext cx="2170576" cy="1358302"/>
+            <a:off x="9478683" y="1596133"/>
+            <a:ext cx="2645950" cy="1655781"/>
           </a:xfrm>
           <a:prstGeom prst="rect">
             <a:avLst/>
@@ -27014,8 +27108,8 @@
         </p:blipFill>
         <p:spPr bwMode="auto">
           <a:xfrm>
-            <a:off x="9344938" y="2990665"/>
-            <a:ext cx="2464301" cy="1642867"/>
+            <a:off x="8934167" y="3339094"/>
+            <a:ext cx="3029620" cy="2019746"/>
           </a:xfrm>
           <a:prstGeom prst="roundRect">
             <a:avLst>
@@ -31584,7 +31678,7 @@
               <a:rPr lang="en-US" dirty="0">
                 <a:hlinkClick r:id="rId3"/>
               </a:rPr>
-              <a:t>https://github.com/xatapult/da-2021-xproc</a:t>
+              <a:t>https://github.com/xatapult/mu-2023-xproc</a:t>
             </a:r>
             <a:endParaRPr lang="en-US" dirty="0"/>
           </a:p>
@@ -31728,7 +31822,7 @@
                 <a:latin typeface="Courier New" panose="02070309020205020404" pitchFamily="49" charset="0"/>
                 <a:cs typeface="Courier New" panose="02070309020205020404" pitchFamily="49" charset="0"/>
               </a:rPr>
-              <a:t> 0.9.6-beta</a:t>
+              <a:t> 1.1.4</a:t>
             </a:r>
           </a:p>
           <a:p>
@@ -31737,7 +31831,7 @@
                 <a:latin typeface="Courier New" panose="02070309020205020404" pitchFamily="49" charset="0"/>
                 <a:cs typeface="Courier New" panose="02070309020205020404" pitchFamily="49" charset="0"/>
               </a:rPr>
-              <a:t>Copyright 2011-2021 </a:t>
+              <a:t>Copyright 2011-2023 </a:t>
             </a:r>
             <a:r>
               <a:rPr lang="nl-NL" sz="1600" b="1" dirty="0" err="1">
@@ -31765,29 +31859,19 @@
                 <a:latin typeface="Courier New" panose="02070309020205020404" pitchFamily="49" charset="0"/>
                 <a:cs typeface="Courier New" panose="02070309020205020404" pitchFamily="49" charset="0"/>
               </a:rPr>
-              <a:t>-project /&gt; </a:t>
-            </a:r>
-            <a:r>
-              <a:rPr lang="nl-NL" sz="1600" b="1" dirty="0" err="1">
-                <a:latin typeface="Courier New" panose="02070309020205020404" pitchFamily="49" charset="0"/>
-                <a:cs typeface="Courier New" panose="02070309020205020404" pitchFamily="49" charset="0"/>
-              </a:rPr>
-              <a:t>Achim</a:t>
-            </a:r>
+              <a:t>-project /&gt; Achim Berndzen</a:t>
+            </a:r>
+          </a:p>
+          <a:p>
             <a:r>
               <a:rPr lang="nl-NL" sz="1600" b="1" dirty="0">
                 <a:latin typeface="Courier New" panose="02070309020205020404" pitchFamily="49" charset="0"/>
                 <a:cs typeface="Courier New" panose="02070309020205020404" pitchFamily="49" charset="0"/>
               </a:rPr>
-              <a:t> </a:t>
-            </a:r>
-            <a:r>
-              <a:rPr lang="nl-NL" sz="1600" b="1" dirty="0" err="1">
-                <a:latin typeface="Courier New" panose="02070309020205020404" pitchFamily="49" charset="0"/>
-                <a:cs typeface="Courier New" panose="02070309020205020404" pitchFamily="49" charset="0"/>
-              </a:rPr>
-              <a:t>Berndzen</a:t>
-            </a:r>
+              <a:t>=================================</a:t>
+            </a:r>
+          </a:p>
+          <a:p>
             <a:endParaRPr lang="nl-NL" sz="1600" b="1" dirty="0">
               <a:latin typeface="Courier New" panose="02070309020205020404" pitchFamily="49" charset="0"/>
               <a:cs typeface="Courier New" panose="02070309020205020404" pitchFamily="49" charset="0"/>
@@ -31799,87 +31883,72 @@
                 <a:latin typeface="Courier New" panose="02070309020205020404" pitchFamily="49" charset="0"/>
                 <a:cs typeface="Courier New" panose="02070309020205020404" pitchFamily="49" charset="0"/>
               </a:rPr>
-              <a:t>=================================</a:t>
-            </a:r>
-          </a:p>
-          <a:p>
-            <a:endParaRPr lang="nl-NL" sz="1600" b="1" dirty="0">
-              <a:latin typeface="Courier New" panose="02070309020205020404" pitchFamily="49" charset="0"/>
-              <a:cs typeface="Courier New" panose="02070309020205020404" pitchFamily="49" charset="0"/>
-            </a:endParaRPr>
-          </a:p>
-          <a:p>
+              <a:t>&lt;?</a:t>
+            </a:r>
+            <a:r>
+              <a:rPr lang="nl-NL" sz="1600" b="1" dirty="0" err="1">
+                <a:latin typeface="Courier New" panose="02070309020205020404" pitchFamily="49" charset="0"/>
+                <a:cs typeface="Courier New" panose="02070309020205020404" pitchFamily="49" charset="0"/>
+              </a:rPr>
+              <a:t>xml</a:t>
+            </a:r>
             <a:r>
               <a:rPr lang="nl-NL" sz="1600" b="1" dirty="0">
                 <a:latin typeface="Courier New" panose="02070309020205020404" pitchFamily="49" charset="0"/>
                 <a:cs typeface="Courier New" panose="02070309020205020404" pitchFamily="49" charset="0"/>
               </a:rPr>
-              <a:t>&lt;?</a:t>
+              <a:t> </a:t>
             </a:r>
             <a:r>
               <a:rPr lang="nl-NL" sz="1600" b="1" dirty="0" err="1">
                 <a:latin typeface="Courier New" panose="02070309020205020404" pitchFamily="49" charset="0"/>
                 <a:cs typeface="Courier New" panose="02070309020205020404" pitchFamily="49" charset="0"/>
               </a:rPr>
-              <a:t>xml</a:t>
+              <a:t>version</a:t>
             </a:r>
             <a:r>
               <a:rPr lang="nl-NL" sz="1600" b="1" dirty="0">
                 <a:latin typeface="Courier New" panose="02070309020205020404" pitchFamily="49" charset="0"/>
                 <a:cs typeface="Courier New" panose="02070309020205020404" pitchFamily="49" charset="0"/>
               </a:rPr>
-              <a:t> </a:t>
+              <a:t>="1.0" </a:t>
             </a:r>
             <a:r>
               <a:rPr lang="nl-NL" sz="1600" b="1" dirty="0" err="1">
                 <a:latin typeface="Courier New" panose="02070309020205020404" pitchFamily="49" charset="0"/>
                 <a:cs typeface="Courier New" panose="02070309020205020404" pitchFamily="49" charset="0"/>
               </a:rPr>
-              <a:t>version</a:t>
+              <a:t>encoding</a:t>
             </a:r>
             <a:r>
               <a:rPr lang="nl-NL" sz="1600" b="1" dirty="0">
                 <a:latin typeface="Courier New" panose="02070309020205020404" pitchFamily="49" charset="0"/>
                 <a:cs typeface="Courier New" panose="02070309020205020404" pitchFamily="49" charset="0"/>
               </a:rPr>
-              <a:t>="1.0" </a:t>
+              <a:t>="UTF-8"?&gt;</a:t>
+            </a:r>
+          </a:p>
+          <a:p>
+            <a:r>
+              <a:rPr lang="nl-NL" sz="1600" b="1" dirty="0">
+                <a:latin typeface="Courier New" panose="02070309020205020404" pitchFamily="49" charset="0"/>
+                <a:cs typeface="Courier New" panose="02070309020205020404" pitchFamily="49" charset="0"/>
+              </a:rPr>
+              <a:t>&lt;</a:t>
             </a:r>
             <a:r>
               <a:rPr lang="nl-NL" sz="1600" b="1" dirty="0" err="1">
                 <a:latin typeface="Courier New" panose="02070309020205020404" pitchFamily="49" charset="0"/>
                 <a:cs typeface="Courier New" panose="02070309020205020404" pitchFamily="49" charset="0"/>
               </a:rPr>
-              <a:t>encoding</a:t>
+              <a:t>hello-xproc</a:t>
             </a:r>
             <a:r>
               <a:rPr lang="nl-NL" sz="1600" b="1" dirty="0">
                 <a:latin typeface="Courier New" panose="02070309020205020404" pitchFamily="49" charset="0"/>
                 <a:cs typeface="Courier New" panose="02070309020205020404" pitchFamily="49" charset="0"/>
               </a:rPr>
-              <a:t>="UTF-8"?&gt;</a:t>
-            </a:r>
-          </a:p>
-          <a:p>
-            <a:r>
-              <a:rPr lang="nl-NL" sz="1600" b="1" dirty="0">
-                <a:latin typeface="Courier New" panose="02070309020205020404" pitchFamily="49" charset="0"/>
-                <a:cs typeface="Courier New" panose="02070309020205020404" pitchFamily="49" charset="0"/>
-              </a:rPr>
-              <a:t>&lt;</a:t>
-            </a:r>
-            <a:r>
-              <a:rPr lang="nl-NL" sz="1600" b="1" dirty="0" err="1">
-                <a:latin typeface="Courier New" panose="02070309020205020404" pitchFamily="49" charset="0"/>
-                <a:cs typeface="Courier New" panose="02070309020205020404" pitchFamily="49" charset="0"/>
-              </a:rPr>
-              <a:t>hello-xproc</a:t>
-            </a:r>
-            <a:r>
-              <a:rPr lang="nl-NL" sz="1600" b="1" dirty="0">
-                <a:latin typeface="Courier New" panose="02070309020205020404" pitchFamily="49" charset="0"/>
-                <a:cs typeface="Courier New" panose="02070309020205020404" pitchFamily="49" charset="0"/>
-              </a:rPr>
-              <a:t> timestamp="2021-09-23T11:14:27.21+02:00"/&gt;</a:t>
+              <a:t> timestamp="2023-05-10T11:14:27.21+02:00"/&gt;</a:t>
             </a:r>
             <a:endParaRPr lang="en-NL" sz="1600" b="1" dirty="0">
               <a:latin typeface="Courier New" panose="02070309020205020404" pitchFamily="49" charset="0"/>
@@ -31946,8 +32015,8 @@
           </a:xfrm>
           <a:prstGeom prst="wedgeEllipseCallout">
             <a:avLst>
-              <a:gd name="adj1" fmla="val 72813"/>
-              <a:gd name="adj2" fmla="val 196492"/>
+              <a:gd name="adj1" fmla="val 75264"/>
+              <a:gd name="adj2" fmla="val 194814"/>
             </a:avLst>
           </a:prstGeom>
         </p:spPr>
@@ -39020,7 +39089,7 @@
             <a:pPr algn="ctr"/>
             <a:r>
               <a:rPr lang="en-US" sz="1600" b="1" dirty="0"/>
-              <a:t>Replace the matched nodes with you produce in here</a:t>
+              <a:t>Replace the matched nodes with what you produce in here</a:t>
             </a:r>
             <a:endParaRPr lang="en-NL" sz="1600" b="1" dirty="0"/>
           </a:p>
@@ -41291,56 +41360,54 @@
         </p:nvSpPr>
         <p:spPr>
           <a:xfrm rot="20786126">
-            <a:off x="1465183" y="4630040"/>
-            <a:ext cx="4904602" cy="954107"/>
+            <a:off x="1465183" y="4845483"/>
+            <a:ext cx="4904602" cy="523220"/>
           </a:xfrm>
           <a:custGeom>
             <a:avLst/>
             <a:gdLst>
               <a:gd name="connsiteX0" fmla="*/ 0 w 4904602"/>
-              <a:gd name="connsiteY0" fmla="*/ 0 h 954107"/>
-              <a:gd name="connsiteX1" fmla="*/ 643048 w 4904602"/>
-              <a:gd name="connsiteY1" fmla="*/ 0 h 954107"/>
-              <a:gd name="connsiteX2" fmla="*/ 1237050 w 4904602"/>
-              <a:gd name="connsiteY2" fmla="*/ 0 h 954107"/>
-              <a:gd name="connsiteX3" fmla="*/ 1782005 w 4904602"/>
-              <a:gd name="connsiteY3" fmla="*/ 0 h 954107"/>
-              <a:gd name="connsiteX4" fmla="*/ 2326961 w 4904602"/>
-              <a:gd name="connsiteY4" fmla="*/ 0 h 954107"/>
-              <a:gd name="connsiteX5" fmla="*/ 2970009 w 4904602"/>
-              <a:gd name="connsiteY5" fmla="*/ 0 h 954107"/>
-              <a:gd name="connsiteX6" fmla="*/ 3564011 w 4904602"/>
-              <a:gd name="connsiteY6" fmla="*/ 0 h 954107"/>
-              <a:gd name="connsiteX7" fmla="*/ 3961829 w 4904602"/>
-              <a:gd name="connsiteY7" fmla="*/ 0 h 954107"/>
-              <a:gd name="connsiteX8" fmla="*/ 4904602 w 4904602"/>
-              <a:gd name="connsiteY8" fmla="*/ 0 h 954107"/>
+              <a:gd name="connsiteY0" fmla="*/ 0 h 523220"/>
+              <a:gd name="connsiteX1" fmla="*/ 446864 w 4904602"/>
+              <a:gd name="connsiteY1" fmla="*/ 0 h 523220"/>
+              <a:gd name="connsiteX2" fmla="*/ 942773 w 4904602"/>
+              <a:gd name="connsiteY2" fmla="*/ 0 h 523220"/>
+              <a:gd name="connsiteX3" fmla="*/ 1389637 w 4904602"/>
+              <a:gd name="connsiteY3" fmla="*/ 0 h 523220"/>
+              <a:gd name="connsiteX4" fmla="*/ 1983639 w 4904602"/>
+              <a:gd name="connsiteY4" fmla="*/ 0 h 523220"/>
+              <a:gd name="connsiteX5" fmla="*/ 2528595 w 4904602"/>
+              <a:gd name="connsiteY5" fmla="*/ 0 h 523220"/>
+              <a:gd name="connsiteX6" fmla="*/ 3073551 w 4904602"/>
+              <a:gd name="connsiteY6" fmla="*/ 0 h 523220"/>
+              <a:gd name="connsiteX7" fmla="*/ 3716598 w 4904602"/>
+              <a:gd name="connsiteY7" fmla="*/ 0 h 523220"/>
+              <a:gd name="connsiteX8" fmla="*/ 4310600 w 4904602"/>
+              <a:gd name="connsiteY8" fmla="*/ 0 h 523220"/>
               <a:gd name="connsiteX9" fmla="*/ 4904602 w 4904602"/>
-              <a:gd name="connsiteY9" fmla="*/ 496136 h 954107"/>
+              <a:gd name="connsiteY9" fmla="*/ 0 h 523220"/>
               <a:gd name="connsiteX10" fmla="*/ 4904602 w 4904602"/>
-              <a:gd name="connsiteY10" fmla="*/ 954107 h 954107"/>
-              <a:gd name="connsiteX11" fmla="*/ 4457738 w 4904602"/>
-              <a:gd name="connsiteY11" fmla="*/ 954107 h 954107"/>
-              <a:gd name="connsiteX12" fmla="*/ 3814690 w 4904602"/>
-              <a:gd name="connsiteY12" fmla="*/ 954107 h 954107"/>
-              <a:gd name="connsiteX13" fmla="*/ 3318781 w 4904602"/>
-              <a:gd name="connsiteY13" fmla="*/ 954107 h 954107"/>
-              <a:gd name="connsiteX14" fmla="*/ 2675733 w 4904602"/>
-              <a:gd name="connsiteY14" fmla="*/ 954107 h 954107"/>
-              <a:gd name="connsiteX15" fmla="*/ 2228869 w 4904602"/>
-              <a:gd name="connsiteY15" fmla="*/ 954107 h 954107"/>
-              <a:gd name="connsiteX16" fmla="*/ 1831051 w 4904602"/>
-              <a:gd name="connsiteY16" fmla="*/ 954107 h 954107"/>
-              <a:gd name="connsiteX17" fmla="*/ 1433234 w 4904602"/>
-              <a:gd name="connsiteY17" fmla="*/ 954107 h 954107"/>
+              <a:gd name="connsiteY10" fmla="*/ 523220 h 523220"/>
+              <a:gd name="connsiteX11" fmla="*/ 4506784 w 4904602"/>
+              <a:gd name="connsiteY11" fmla="*/ 523220 h 523220"/>
+              <a:gd name="connsiteX12" fmla="*/ 4059921 w 4904602"/>
+              <a:gd name="connsiteY12" fmla="*/ 523220 h 523220"/>
+              <a:gd name="connsiteX13" fmla="*/ 3465919 w 4904602"/>
+              <a:gd name="connsiteY13" fmla="*/ 523220 h 523220"/>
+              <a:gd name="connsiteX14" fmla="*/ 2822871 w 4904602"/>
+              <a:gd name="connsiteY14" fmla="*/ 523220 h 523220"/>
+              <a:gd name="connsiteX15" fmla="*/ 2326961 w 4904602"/>
+              <a:gd name="connsiteY15" fmla="*/ 523220 h 523220"/>
+              <a:gd name="connsiteX16" fmla="*/ 1683913 w 4904602"/>
+              <a:gd name="connsiteY16" fmla="*/ 523220 h 523220"/>
+              <a:gd name="connsiteX17" fmla="*/ 1237050 w 4904602"/>
+              <a:gd name="connsiteY17" fmla="*/ 523220 h 523220"/>
               <a:gd name="connsiteX18" fmla="*/ 839232 w 4904602"/>
-              <a:gd name="connsiteY18" fmla="*/ 954107 h 954107"/>
+              <a:gd name="connsiteY18" fmla="*/ 523220 h 523220"/>
               <a:gd name="connsiteX19" fmla="*/ 0 w 4904602"/>
-              <a:gd name="connsiteY19" fmla="*/ 954107 h 954107"/>
+              <a:gd name="connsiteY19" fmla="*/ 523220 h 523220"/>
               <a:gd name="connsiteX20" fmla="*/ 0 w 4904602"/>
-              <a:gd name="connsiteY20" fmla="*/ 477054 h 954107"/>
-              <a:gd name="connsiteX21" fmla="*/ 0 w 4904602"/>
-              <a:gd name="connsiteY21" fmla="*/ 0 h 954107"/>
+              <a:gd name="connsiteY20" fmla="*/ 0 h 523220"/>
             </a:gdLst>
             <a:ahLst/>
             <a:cxnLst>
@@ -41407,124 +41474,116 @@
               <a:cxn ang="0">
                 <a:pos x="connsiteX20" y="connsiteY20"/>
               </a:cxn>
-              <a:cxn ang="0">
-                <a:pos x="connsiteX21" y="connsiteY21"/>
-              </a:cxn>
             </a:cxnLst>
             <a:rect l="l" t="t" r="r" b="b"/>
             <a:pathLst>
-              <a:path w="4904602" h="954107" fill="none" extrusionOk="0">
+              <a:path w="4904602" h="523220" fill="none" extrusionOk="0">
                 <a:moveTo>
                   <a:pt x="0" y="0"/>
                 </a:moveTo>
                 <a:cubicBezTo>
-                  <a:pt x="294548" y="-64139"/>
-                  <a:pt x="357663" y="56700"/>
-                  <a:pt x="643048" y="0"/>
+                  <a:pt x="160890" y="-34253"/>
+                  <a:pt x="266825" y="48709"/>
+                  <a:pt x="446864" y="0"/>
                 </a:cubicBezTo>
                 <a:cubicBezTo>
-                  <a:pt x="928433" y="-56700"/>
-                  <a:pt x="1097592" y="27726"/>
-                  <a:pt x="1237050" y="0"/>
+                  <a:pt x="626903" y="-48709"/>
+                  <a:pt x="789557" y="16643"/>
+                  <a:pt x="942773" y="0"/>
                 </a:cubicBezTo>
                 <a:cubicBezTo>
-                  <a:pt x="1376508" y="-27726"/>
-                  <a:pt x="1519462" y="2734"/>
-                  <a:pt x="1782005" y="0"/>
+                  <a:pt x="1095989" y="-16643"/>
+                  <a:pt x="1270855" y="31616"/>
+                  <a:pt x="1389637" y="0"/>
                 </a:cubicBezTo>
                 <a:cubicBezTo>
-                  <a:pt x="2044549" y="-2734"/>
-                  <a:pt x="2191621" y="26251"/>
-                  <a:pt x="2326961" y="0"/>
+                  <a:pt x="1508419" y="-31616"/>
+                  <a:pt x="1844181" y="27726"/>
+                  <a:pt x="1983639" y="0"/>
                 </a:cubicBezTo>
                 <a:cubicBezTo>
-                  <a:pt x="2462301" y="-26251"/>
-                  <a:pt x="2694316" y="72877"/>
-                  <a:pt x="2970009" y="0"/>
+                  <a:pt x="2123097" y="-27726"/>
+                  <a:pt x="2259615" y="64093"/>
+                  <a:pt x="2528595" y="0"/>
                 </a:cubicBezTo>
                 <a:cubicBezTo>
-                  <a:pt x="3245702" y="-72877"/>
-                  <a:pt x="3423762" y="6641"/>
-                  <a:pt x="3564011" y="0"/>
+                  <a:pt x="2797575" y="-64093"/>
+                  <a:pt x="2938211" y="26251"/>
+                  <a:pt x="3073551" y="0"/>
                 </a:cubicBezTo>
                 <a:cubicBezTo>
-                  <a:pt x="3704260" y="-6641"/>
-                  <a:pt x="3803049" y="27200"/>
-                  <a:pt x="3961829" y="0"/>
+                  <a:pt x="3208891" y="-26251"/>
+                  <a:pt x="3443487" y="473"/>
+                  <a:pt x="3716598" y="0"/>
                 </a:cubicBezTo>
                 <a:cubicBezTo>
-                  <a:pt x="4120609" y="-27200"/>
-                  <a:pt x="4456020" y="112430"/>
+                  <a:pt x="3989709" y="-473"/>
+                  <a:pt x="4170351" y="6641"/>
+                  <a:pt x="4310600" y="0"/>
+                </a:cubicBezTo>
+                <a:cubicBezTo>
+                  <a:pt x="4450849" y="-6641"/>
+                  <a:pt x="4667256" y="52917"/>
                   <a:pt x="4904602" y="0"/>
                 </a:cubicBezTo>
                 <a:cubicBezTo>
-                  <a:pt x="4933081" y="184754"/>
-                  <a:pt x="4847512" y="315326"/>
-                  <a:pt x="4904602" y="496136"/>
+                  <a:pt x="4922695" y="154835"/>
+                  <a:pt x="4876374" y="263784"/>
+                  <a:pt x="4904602" y="523220"/>
                 </a:cubicBezTo>
                 <a:cubicBezTo>
-                  <a:pt x="4961692" y="676946"/>
-                  <a:pt x="4886343" y="795200"/>
-                  <a:pt x="4904602" y="954107"/>
+                  <a:pt x="4771505" y="566012"/>
+                  <a:pt x="4627523" y="493972"/>
+                  <a:pt x="4506784" y="523220"/>
                 </a:cubicBezTo>
                 <a:cubicBezTo>
-                  <a:pt x="4796522" y="996404"/>
-                  <a:pt x="4575489" y="944366"/>
-                  <a:pt x="4457738" y="954107"/>
+                  <a:pt x="4386045" y="552468"/>
+                  <a:pt x="4245379" y="471251"/>
+                  <a:pt x="4059921" y="523220"/>
                 </a:cubicBezTo>
                 <a:cubicBezTo>
-                  <a:pt x="4339987" y="963848"/>
-                  <a:pt x="3947390" y="926136"/>
-                  <a:pt x="3814690" y="954107"/>
+                  <a:pt x="3874463" y="575189"/>
+                  <a:pt x="3587451" y="506089"/>
+                  <a:pt x="3465919" y="523220"/>
                 </a:cubicBezTo>
                 <a:cubicBezTo>
-                  <a:pt x="3681990" y="982078"/>
-                  <a:pt x="3486286" y="945783"/>
-                  <a:pt x="3318781" y="954107"/>
+                  <a:pt x="3344387" y="540351"/>
+                  <a:pt x="2955571" y="495249"/>
+                  <a:pt x="2822871" y="523220"/>
                 </a:cubicBezTo>
                 <a:cubicBezTo>
-                  <a:pt x="3151276" y="962431"/>
-                  <a:pt x="2988982" y="880421"/>
-                  <a:pt x="2675733" y="954107"/>
+                  <a:pt x="2690171" y="551191"/>
+                  <a:pt x="2500864" y="515401"/>
+                  <a:pt x="2326961" y="523220"/>
                 </a:cubicBezTo>
                 <a:cubicBezTo>
-                  <a:pt x="2362484" y="1027793"/>
-                  <a:pt x="2378471" y="904182"/>
-                  <a:pt x="2228869" y="954107"/>
+                  <a:pt x="2153058" y="531039"/>
+                  <a:pt x="1997162" y="449534"/>
+                  <a:pt x="1683913" y="523220"/>
                 </a:cubicBezTo>
                 <a:cubicBezTo>
-                  <a:pt x="2079267" y="1004032"/>
-                  <a:pt x="1920208" y="948209"/>
-                  <a:pt x="1831051" y="954107"/>
+                  <a:pt x="1370664" y="596906"/>
+                  <a:pt x="1380291" y="470433"/>
+                  <a:pt x="1237050" y="523220"/>
                 </a:cubicBezTo>
                 <a:cubicBezTo>
-                  <a:pt x="1741894" y="960005"/>
-                  <a:pt x="1581411" y="950374"/>
-                  <a:pt x="1433234" y="954107"/>
+                  <a:pt x="1093809" y="576007"/>
+                  <a:pt x="928389" y="517322"/>
+                  <a:pt x="839232" y="523220"/>
                 </a:cubicBezTo>
                 <a:cubicBezTo>
-                  <a:pt x="1285057" y="957840"/>
-                  <a:pt x="976185" y="928774"/>
-                  <a:pt x="839232" y="954107"/>
+                  <a:pt x="750075" y="529118"/>
+                  <a:pt x="351291" y="445443"/>
+                  <a:pt x="0" y="523220"/>
                 </a:cubicBezTo>
                 <a:cubicBezTo>
-                  <a:pt x="702279" y="979440"/>
-                  <a:pt x="317394" y="936371"/>
-                  <a:pt x="0" y="954107"/>
-                </a:cubicBezTo>
-                <a:cubicBezTo>
-                  <a:pt x="-4669" y="744992"/>
-                  <a:pt x="39970" y="690048"/>
-                  <a:pt x="0" y="477054"/>
-                </a:cubicBezTo>
-                <a:cubicBezTo>
-                  <a:pt x="-39970" y="264060"/>
-                  <a:pt x="26341" y="156036"/>
+                  <a:pt x="-41035" y="373631"/>
+                  <a:pt x="23792" y="169840"/>
                   <a:pt x="0" y="0"/>
                 </a:cubicBezTo>
                 <a:close/>
               </a:path>
-              <a:path w="4904602" h="954107" stroke="0" extrusionOk="0">
+              <a:path w="4904602" h="523220" stroke="0" extrusionOk="0">
                 <a:moveTo>
                   <a:pt x="0" y="0"/>
                 </a:moveTo>
@@ -41574,63 +41633,53 @@
                   <a:pt x="4904602" y="0"/>
                 </a:cubicBezTo>
                 <a:cubicBezTo>
-                  <a:pt x="4952455" y="209070"/>
-                  <a:pt x="4900124" y="363359"/>
-                  <a:pt x="4904602" y="477054"/>
+                  <a:pt x="4956491" y="166921"/>
+                  <a:pt x="4877277" y="355699"/>
+                  <a:pt x="4904602" y="523220"/>
                 </a:cubicBezTo>
                 <a:cubicBezTo>
-                  <a:pt x="4909080" y="590749"/>
-                  <a:pt x="4874312" y="748394"/>
-                  <a:pt x="4904602" y="954107"/>
+                  <a:pt x="4643465" y="556196"/>
+                  <a:pt x="4493617" y="496590"/>
+                  <a:pt x="4359646" y="523220"/>
                 </a:cubicBezTo>
                 <a:cubicBezTo>
-                  <a:pt x="4643889" y="976797"/>
-                  <a:pt x="4488660" y="907071"/>
-                  <a:pt x="4310600" y="954107"/>
+                  <a:pt x="4225675" y="549850"/>
+                  <a:pt x="3994851" y="481820"/>
+                  <a:pt x="3863736" y="523220"/>
                 </a:cubicBezTo>
                 <a:cubicBezTo>
-                  <a:pt x="4132540" y="1001143"/>
-                  <a:pt x="3907641" y="953693"/>
-                  <a:pt x="3667552" y="954107"/>
+                  <a:pt x="3732621" y="564620"/>
+                  <a:pt x="3458325" y="520912"/>
+                  <a:pt x="3220689" y="523220"/>
                 </a:cubicBezTo>
                 <a:cubicBezTo>
-                  <a:pt x="3427463" y="954521"/>
-                  <a:pt x="3328302" y="915439"/>
-                  <a:pt x="3024505" y="954107"/>
+                  <a:pt x="2983053" y="525528"/>
+                  <a:pt x="2887776" y="485454"/>
+                  <a:pt x="2577641" y="523220"/>
                 </a:cubicBezTo>
                 <a:cubicBezTo>
-                  <a:pt x="2720708" y="992775"/>
-                  <a:pt x="2759466" y="948694"/>
-                  <a:pt x="2577641" y="954107"/>
+                  <a:pt x="2267506" y="560986"/>
+                  <a:pt x="2312602" y="517807"/>
+                  <a:pt x="2130777" y="523220"/>
                 </a:cubicBezTo>
                 <a:cubicBezTo>
-                  <a:pt x="2395816" y="959520"/>
-                  <a:pt x="2265527" y="939617"/>
-                  <a:pt x="2032685" y="954107"/>
+                  <a:pt x="1948952" y="528633"/>
+                  <a:pt x="1818663" y="508730"/>
+                  <a:pt x="1585821" y="523220"/>
                 </a:cubicBezTo>
                 <a:cubicBezTo>
-                  <a:pt x="1799843" y="968597"/>
-                  <a:pt x="1692698" y="893829"/>
-                  <a:pt x="1389637" y="954107"/>
+                  <a:pt x="1352979" y="537710"/>
+                  <a:pt x="1245834" y="462942"/>
+                  <a:pt x="942773" y="523220"/>
                 </a:cubicBezTo>
                 <a:cubicBezTo>
-                  <a:pt x="1086576" y="1014385"/>
-                  <a:pt x="1019483" y="937993"/>
-                  <a:pt x="844681" y="954107"/>
+                  <a:pt x="639712" y="583498"/>
+                  <a:pt x="218955" y="425651"/>
+                  <a:pt x="0" y="523220"/>
                 </a:cubicBezTo>
                 <a:cubicBezTo>
-                  <a:pt x="669879" y="970221"/>
-                  <a:pt x="305587" y="921460"/>
-                  <a:pt x="0" y="954107"/>
-                </a:cubicBezTo>
-                <a:cubicBezTo>
-                  <a:pt x="-1310" y="801830"/>
-                  <a:pt x="3440" y="598040"/>
-                  <a:pt x="0" y="496136"/>
-                </a:cubicBezTo>
-                <a:cubicBezTo>
-                  <a:pt x="-3440" y="394232"/>
-                  <a:pt x="53190" y="173598"/>
+                  <a:pt x="-9360" y="320647"/>
+                  <a:pt x="27018" y="152442"/>
                   <a:pt x="0" y="0"/>
                 </a:cubicBezTo>
                 <a:close/>
@@ -41676,17 +41725,6 @@
               <a:rPr lang="en-US" sz="2800" b="1" dirty="0"/>
               <a:t> stickers: FREE!</a:t>
             </a:r>
-          </a:p>
-          <a:p>
-            <a:pPr marL="285750" indent="-285750">
-              <a:buFont typeface="Arial" panose="020B0604020202020204" pitchFamily="34" charset="0"/>
-              <a:buChar char="•"/>
-            </a:pPr>
-            <a:r>
-              <a:rPr lang="en-US" sz="2800" b="1" dirty="0"/>
-              <a:t>Book: €25 </a:t>
-            </a:r>
-            <a:endParaRPr lang="en-GB" sz="2800" b="1" dirty="0"/>
           </a:p>
         </p:txBody>
       </p:sp>

--- a/presentation/Introduction to XProc 3.0.pptx
+++ b/presentation/Introduction to XProc 3.0.pptx
@@ -382,7 +382,7 @@
           <a:p>
             <a:fld id="{0AAE6376-87C4-4D16-82D1-D37904F930BA}" type="datetimeFigureOut">
               <a:rPr lang="en-NL" smtClean="0"/>
-              <a:t>07/05/2023</a:t>
+              <a:t>08/05/2023</a:t>
             </a:fld>
             <a:endParaRPr lang="en-NL"/>
           </a:p>
@@ -559,7 +559,7 @@
           <a:p>
             <a:fld id="{3FA52A83-AFF0-44B5-B0CB-BF1EF92BF110}" type="datetimeFigureOut">
               <a:rPr lang="en-NL" smtClean="0"/>
-              <a:t>07/05/2023</a:t>
+              <a:t>08/05/2023</a:t>
             </a:fld>
             <a:endParaRPr lang="en-NL"/>
           </a:p>
@@ -4512,7 +4512,7 @@
           <a:p>
             <a:fld id="{9446F294-FC6D-4658-8D72-6C175CC4BEDF}" type="datetimeFigureOut">
               <a:rPr lang="en-US" smtClean="0"/>
-              <a:t>5/7/2023</a:t>
+              <a:t>5/8/2023</a:t>
             </a:fld>
             <a:endParaRPr lang="en-US"/>
           </a:p>
@@ -4736,7 +4736,7 @@
           <a:p>
             <a:fld id="{9446F294-FC6D-4658-8D72-6C175CC4BEDF}" type="datetimeFigureOut">
               <a:rPr lang="en-US" smtClean="0"/>
-              <a:t>5/7/2023</a:t>
+              <a:t>5/8/2023</a:t>
             </a:fld>
             <a:endParaRPr lang="en-US"/>
           </a:p>
@@ -4970,7 +4970,7 @@
           <a:p>
             <a:fld id="{9446F294-FC6D-4658-8D72-6C175CC4BEDF}" type="datetimeFigureOut">
               <a:rPr lang="en-US" smtClean="0"/>
-              <a:t>5/7/2023</a:t>
+              <a:t>5/8/2023</a:t>
             </a:fld>
             <a:endParaRPr lang="en-US"/>
           </a:p>
@@ -5194,7 +5194,7 @@
           <a:p>
             <a:fld id="{9446F294-FC6D-4658-8D72-6C175CC4BEDF}" type="datetimeFigureOut">
               <a:rPr lang="en-US" smtClean="0"/>
-              <a:t>5/7/2023</a:t>
+              <a:t>5/8/2023</a:t>
             </a:fld>
             <a:endParaRPr lang="en-US"/>
           </a:p>
@@ -5494,7 +5494,7 @@
           <a:p>
             <a:fld id="{9446F294-FC6D-4658-8D72-6C175CC4BEDF}" type="datetimeFigureOut">
               <a:rPr lang="en-US" smtClean="0"/>
-              <a:t>5/7/2023</a:t>
+              <a:t>5/8/2023</a:t>
             </a:fld>
             <a:endParaRPr lang="en-US"/>
           </a:p>
@@ -5786,7 +5786,7 @@
           <a:p>
             <a:fld id="{9446F294-FC6D-4658-8D72-6C175CC4BEDF}" type="datetimeFigureOut">
               <a:rPr lang="en-US" smtClean="0"/>
-              <a:t>5/7/2023</a:t>
+              <a:t>5/8/2023</a:t>
             </a:fld>
             <a:endParaRPr lang="en-US"/>
           </a:p>
@@ -6225,7 +6225,7 @@
           <a:p>
             <a:fld id="{9446F294-FC6D-4658-8D72-6C175CC4BEDF}" type="datetimeFigureOut">
               <a:rPr lang="en-US" smtClean="0"/>
-              <a:t>5/7/2023</a:t>
+              <a:t>5/8/2023</a:t>
             </a:fld>
             <a:endParaRPr lang="en-US"/>
           </a:p>
@@ -6391,7 +6391,7 @@
           <a:p>
             <a:fld id="{9446F294-FC6D-4658-8D72-6C175CC4BEDF}" type="datetimeFigureOut">
               <a:rPr lang="en-US" smtClean="0"/>
-              <a:t>5/7/2023</a:t>
+              <a:t>5/8/2023</a:t>
             </a:fld>
             <a:endParaRPr lang="en-US"/>
           </a:p>
@@ -6528,7 +6528,7 @@
           <a:p>
             <a:fld id="{9446F294-FC6D-4658-8D72-6C175CC4BEDF}" type="datetimeFigureOut">
               <a:rPr lang="en-US" smtClean="0"/>
-              <a:t>5/7/2023</a:t>
+              <a:t>5/8/2023</a:t>
             </a:fld>
             <a:endParaRPr lang="en-US"/>
           </a:p>
@@ -6865,7 +6865,7 @@
           <a:p>
             <a:fld id="{9446F294-FC6D-4658-8D72-6C175CC4BEDF}" type="datetimeFigureOut">
               <a:rPr lang="en-US" smtClean="0"/>
-              <a:t>5/7/2023</a:t>
+              <a:t>5/8/2023</a:t>
             </a:fld>
             <a:endParaRPr lang="en-US"/>
           </a:p>
@@ -7178,7 +7178,7 @@
           <a:p>
             <a:fld id="{9446F294-FC6D-4658-8D72-6C175CC4BEDF}" type="datetimeFigureOut">
               <a:rPr lang="en-US" smtClean="0"/>
-              <a:t>5/7/2023</a:t>
+              <a:t>5/8/2023</a:t>
             </a:fld>
             <a:endParaRPr lang="en-US"/>
           </a:p>
@@ -14690,7 +14690,7 @@
             <a:pPr lvl="1"/>
             <a:r>
               <a:rPr lang="en-US" dirty="0"/>
-              <a:t>Groningen, The Netherlands</a:t>
+              <a:t>Zwolle, The Netherlands</a:t>
             </a:r>
           </a:p>
           <a:p>
@@ -20998,8 +20998,13 @@
           <a:p>
             <a:r>
               <a:rPr lang="en-US" dirty="0"/>
-              <a:t>Specification of 3.0 in "last call" status</a:t>
-            </a:r>
+              <a:t>Specification of </a:t>
+            </a:r>
+            <a:r>
+              <a:rPr lang="en-US"/>
+              <a:t>3.0 final</a:t>
+            </a:r>
+            <a:endParaRPr lang="en-US" dirty="0"/>
           </a:p>
           <a:p>
             <a:r>
